--- a/2025-05-10/Infrastructure.pptx
+++ b/2025-05-10/Infrastructure.pptx
@@ -819,6 +819,101 @@
     </a:lvl9pPr>
   </p:notesStyle>
 </p:notesMaster>
+</file>
+
+<file path=ppt/notesSlides/notesSlide1.xml><?xml version="1.0" encoding="utf-8"?>
+<p:notes xmlns:a="http://schemas.openxmlformats.org/drawingml/2006/main" xmlns:r="http://schemas.openxmlformats.org/officeDocument/2006/relationships" xmlns:p="http://schemas.openxmlformats.org/presentationml/2006/main">
+  <p:cSld>
+    <p:spTree>
+      <p:nvGrpSpPr>
+        <p:cNvPr id="1" name=""/>
+        <p:cNvGrpSpPr/>
+        <p:nvPr/>
+      </p:nvGrpSpPr>
+      <p:grpSpPr>
+        <a:xfrm>
+          <a:off x="0" y="0"/>
+          <a:ext cx="0" cy="0"/>
+          <a:chOff x="0" y="0"/>
+          <a:chExt cx="0" cy="0"/>
+        </a:xfrm>
+      </p:grpSpPr>
+      <p:sp>
+        <p:nvSpPr>
+          <p:cNvPr id="2" name="Folienbildplatzhalter 1"/>
+          <p:cNvSpPr>
+            <a:spLocks noGrp="1" noRot="1" noChangeAspect="1"/>
+          </p:cNvSpPr>
+          <p:nvPr>
+            <p:ph type="sldImg"/>
+          </p:nvPr>
+        </p:nvSpPr>
+        <p:spPr>
+          <a:xfrm>
+            <a:off x="917575" y="744538"/>
+            <a:ext cx="4962525" cy="3722687"/>
+          </a:xfrm>
+        </p:spPr>
+      </p:sp>
+      <p:sp>
+        <p:nvSpPr>
+          <p:cNvPr id="3" name="Notizenplatzhalter 2"/>
+          <p:cNvSpPr>
+            <a:spLocks noGrp="1"/>
+          </p:cNvSpPr>
+          <p:nvPr>
+            <p:ph type="body" idx="1"/>
+          </p:nvPr>
+        </p:nvSpPr>
+        <p:spPr/>
+        <p:txBody>
+          <a:bodyPr/>
+          <a:lstStyle/>
+          <a:p>
+            <a:endParaRPr lang="de-AT" dirty="0"/>
+          </a:p>
+        </p:txBody>
+      </p:sp>
+      <p:sp>
+        <p:nvSpPr>
+          <p:cNvPr id="4" name="Foliennummernplatzhalter 3"/>
+          <p:cNvSpPr>
+            <a:spLocks noGrp="1"/>
+          </p:cNvSpPr>
+          <p:nvPr>
+            <p:ph type="sldNum" sz="quarter" idx="5"/>
+          </p:nvPr>
+        </p:nvSpPr>
+        <p:spPr/>
+        <p:txBody>
+          <a:bodyPr/>
+          <a:lstStyle/>
+          <a:p>
+            <a:pPr>
+              <a:defRPr/>
+            </a:pPr>
+            <a:fld id="{46EAC6C9-0F3A-40E0-896B-88DE66496CB5}" type="slidenum">
+              <a:rPr lang="de-AT" smtClean="0"/>
+              <a:pPr>
+                <a:defRPr/>
+              </a:pPr>
+              <a:t>1</a:t>
+            </a:fld>
+            <a:endParaRPr lang="de-AT"/>
+          </a:p>
+        </p:txBody>
+      </p:sp>
+    </p:spTree>
+    <p:extLst>
+      <p:ext uri="{BB962C8B-B14F-4D97-AF65-F5344CB8AC3E}">
+        <p14:creationId xmlns:p14="http://schemas.microsoft.com/office/powerpoint/2010/main" val="1897590525"/>
+      </p:ext>
+    </p:extLst>
+  </p:cSld>
+  <p:clrMapOvr>
+    <a:masterClrMapping/>
+  </p:clrMapOvr>
+</p:notes>
 </file>
 
 <file path=ppt/slideLayouts/slideLayout1.xml><?xml version="1.0" encoding="utf-8"?>
@@ -2173,109 +2268,143 @@
             <p:ph type="body" sz="quarter" idx="10"/>
           </p:nvPr>
         </p:nvSpPr>
-        <p:spPr/>
+        <p:spPr>
+          <a:xfrm>
+            <a:off x="468313" y="980728"/>
+            <a:ext cx="8207375" cy="4608165"/>
+          </a:xfrm>
+        </p:spPr>
         <p:txBody>
           <a:bodyPr/>
           <a:lstStyle/>
           <a:p>
             <a:r>
-              <a:rPr lang="de-AT" dirty="0"/>
+              <a:rPr lang="de-AT" sz="2400" dirty="0"/>
               <a:t>WLAN	</a:t>
             </a:r>
           </a:p>
           <a:p>
             <a:pPr lvl="1"/>
             <a:r>
-              <a:rPr lang="de-AT" dirty="0"/>
+              <a:rPr lang="de-AT" sz="2000" dirty="0"/>
               <a:t>SSID: </a:t>
             </a:r>
             <a:r>
-              <a:rPr lang="de-AT" dirty="0" err="1"/>
+              <a:rPr lang="de-AT" sz="2000" dirty="0" err="1"/>
               <a:t>iot</a:t>
             </a:r>
             <a:r>
-              <a:rPr lang="de-AT" dirty="0"/>
+              <a:rPr lang="de-AT" sz="2000" dirty="0"/>
               <a:t> </a:t>
             </a:r>
           </a:p>
           <a:p>
             <a:pPr lvl="1"/>
             <a:r>
-              <a:rPr lang="de-AT" dirty="0" err="1"/>
-              <a:t>password:smarthome</a:t>
-            </a:r>
-            <a:endParaRPr lang="de-AT" dirty="0"/>
+              <a:rPr lang="de-AT" sz="2000" dirty="0" err="1"/>
+              <a:t>password</a:t>
+            </a:r>
+            <a:r>
+              <a:rPr lang="de-AT" sz="2000" dirty="0"/>
+              <a:t>: </a:t>
+            </a:r>
+            <a:r>
+              <a:rPr lang="de-AT" sz="2000" dirty="0" err="1"/>
+              <a:t>smarthome</a:t>
+            </a:r>
+            <a:endParaRPr lang="de-AT" sz="2000" dirty="0"/>
           </a:p>
           <a:p>
             <a:pPr lvl="1"/>
-            <a:endParaRPr lang="de-AT" dirty="0"/>
-          </a:p>
-          <a:p>
-            <a:r>
-              <a:rPr lang="de-AT" dirty="0"/>
+            <a:endParaRPr lang="de-AT" sz="2000" dirty="0"/>
+          </a:p>
+          <a:p>
+            <a:r>
+              <a:rPr lang="de-AT" sz="2400" dirty="0" err="1"/>
+              <a:t>Github</a:t>
+            </a:r>
+            <a:r>
+              <a:rPr lang="de-AT" sz="2400" dirty="0"/>
+              <a:t>: </a:t>
+            </a:r>
+          </a:p>
+          <a:p>
+            <a:pPr lvl="1"/>
+            <a:r>
+              <a:rPr lang="de-AT" sz="2000" dirty="0"/>
+              <a:t>https://github.com/htl-leo/iot-samstag</a:t>
+            </a:r>
+          </a:p>
+          <a:p>
+            <a:pPr lvl="1"/>
+            <a:endParaRPr lang="de-AT" sz="2000" dirty="0"/>
+          </a:p>
+          <a:p>
+            <a:r>
+              <a:rPr lang="de-AT" sz="2400" dirty="0"/>
               <a:t>MQTT:	192.168.2.3   </a:t>
             </a:r>
             <a:r>
-              <a:rPr lang="de-AT" dirty="0" err="1"/>
+              <a:rPr lang="de-AT" sz="2400" dirty="0" err="1"/>
               <a:t>leo</a:t>
             </a:r>
             <a:r>
-              <a:rPr lang="de-AT" dirty="0"/>
+              <a:rPr lang="de-AT" sz="2400" dirty="0"/>
               <a:t>/</a:t>
             </a:r>
             <a:r>
-              <a:rPr lang="de-AT" dirty="0" err="1"/>
+              <a:rPr lang="de-AT" sz="2400" dirty="0" err="1"/>
               <a:t>passme</a:t>
             </a:r>
-            <a:endParaRPr lang="de-AT" dirty="0"/>
-          </a:p>
-          <a:p>
-            <a:endParaRPr lang="de-AT" dirty="0"/>
-          </a:p>
-          <a:p>
-            <a:r>
-              <a:rPr lang="de-AT" dirty="0"/>
+            <a:endParaRPr lang="de-AT" sz="2400" dirty="0"/>
+          </a:p>
+          <a:p>
+            <a:endParaRPr lang="de-AT" sz="2400" dirty="0"/>
+          </a:p>
+          <a:p>
+            <a:r>
+              <a:rPr lang="de-AT" sz="2400" dirty="0"/>
               <a:t>Eigener Home </a:t>
             </a:r>
             <a:r>
-              <a:rPr lang="de-AT" dirty="0" err="1"/>
+              <a:rPr lang="de-AT" sz="2400" dirty="0" err="1"/>
               <a:t>Assistant</a:t>
             </a:r>
             <a:r>
-              <a:rPr lang="de-AT" dirty="0"/>
+              <a:rPr lang="de-AT" sz="2400" dirty="0"/>
               <a:t> </a:t>
             </a:r>
             <a:r>
-              <a:rPr lang="de-AT" dirty="0" err="1"/>
+              <a:rPr lang="de-AT" sz="2400" dirty="0" err="1"/>
               <a:t>Odroid</a:t>
             </a:r>
-            <a:endParaRPr lang="de-AT" dirty="0"/>
+            <a:endParaRPr lang="de-AT" sz="2400" dirty="0"/>
           </a:p>
           <a:p>
             <a:pPr lvl="1"/>
             <a:r>
-              <a:rPr lang="de-AT" dirty="0"/>
+              <a:rPr lang="de-AT" sz="2000" dirty="0"/>
               <a:t>192.168.2.xx:8123</a:t>
             </a:r>
           </a:p>
           <a:p>
             <a:pPr lvl="1"/>
             <a:r>
-              <a:rPr lang="de-AT" dirty="0" err="1"/>
+              <a:rPr lang="de-AT" sz="2000" dirty="0" err="1"/>
               <a:t>leo</a:t>
             </a:r>
             <a:r>
-              <a:rPr lang="de-AT" dirty="0"/>
+              <a:rPr lang="de-AT" sz="2000" dirty="0"/>
               <a:t>/</a:t>
             </a:r>
             <a:r>
-              <a:rPr lang="de-AT" dirty="0" err="1"/>
+              <a:rPr lang="de-AT" sz="2000" dirty="0" err="1"/>
               <a:t>passme</a:t>
             </a:r>
-            <a:endParaRPr lang="de-AT" dirty="0"/>
-          </a:p>
-          <a:p>
-            <a:endParaRPr lang="de-AT" dirty="0"/>
+            <a:endParaRPr lang="de-AT" sz="2000" dirty="0"/>
+          </a:p>
+          <a:p>
+            <a:endParaRPr lang="de-AT" sz="2400" dirty="0"/>
           </a:p>
         </p:txBody>
       </p:sp>
